--- a/Project Presentation.pptx
+++ b/Project Presentation.pptx
@@ -636,7 +636,7 @@
           <a:p>
             <a:fld id="{83284890-85D2-4D7B-8EF5-15A9C1DB8F42}" type="datetimeFigureOut">
               <a:rPr lang="en-US" smtClean="0"/>
-              <a:t>3/25/22</a:t>
+              <a:t>3/26/22</a:t>
             </a:fld>
             <a:endParaRPr lang="en-US"/>
           </a:p>
@@ -814,7 +814,7 @@
           <a:p>
             <a:fld id="{87157CC2-0FC8-4686-B024-99790E0F5162}" type="datetimeFigureOut">
               <a:rPr lang="en-US" smtClean="0"/>
-              <a:t>3/25/22</a:t>
+              <a:t>3/26/22</a:t>
             </a:fld>
             <a:endParaRPr lang="en-US"/>
           </a:p>
@@ -994,7 +994,7 @@
           <a:p>
             <a:fld id="{F6764DA5-CD3D-4590-A511-FCD3BC7A793E}" type="datetimeFigureOut">
               <a:rPr lang="en-US" smtClean="0"/>
-              <a:t>3/25/22</a:t>
+              <a:t>3/26/22</a:t>
             </a:fld>
             <a:endParaRPr lang="en-US"/>
           </a:p>
@@ -1164,7 +1164,7 @@
           <a:p>
             <a:fld id="{82F5661D-6934-4B32-B92C-470368BF1EC6}" type="datetimeFigureOut">
               <a:rPr lang="en-US" smtClean="0"/>
-              <a:t>3/25/22</a:t>
+              <a:t>3/26/22</a:t>
             </a:fld>
             <a:endParaRPr lang="en-US"/>
           </a:p>
@@ -1485,7 +1485,7 @@
           <a:p>
             <a:fld id="{C6F822A4-8DA6-4447-9B1F-C5DB58435268}" type="datetimeFigureOut">
               <a:rPr lang="en-US" smtClean="0"/>
-              <a:t>3/25/22</a:t>
+              <a:t>3/26/22</a:t>
             </a:fld>
             <a:endParaRPr lang="en-US" dirty="0"/>
           </a:p>
@@ -1946,7 +1946,7 @@
           <a:p>
             <a:fld id="{E548D31E-DCDA-41A7-9C67-C4B11B94D21D}" type="datetimeFigureOut">
               <a:rPr lang="en-US" smtClean="0"/>
-              <a:t>3/25/22</a:t>
+              <a:t>3/26/22</a:t>
             </a:fld>
             <a:endParaRPr lang="en-US"/>
           </a:p>
@@ -2357,7 +2357,7 @@
           <a:p>
             <a:fld id="{9B3762C0-B258-48F1-ADE6-176B4174CCDD}" type="datetimeFigureOut">
               <a:rPr lang="en-US" smtClean="0"/>
-              <a:t>3/25/22</a:t>
+              <a:t>3/26/22</a:t>
             </a:fld>
             <a:endParaRPr lang="en-US"/>
           </a:p>
@@ -2475,7 +2475,7 @@
           <a:p>
             <a:fld id="{677919A6-33EB-49BD-A62F-1FA56B9F9712}" type="datetimeFigureOut">
               <a:rPr lang="en-US" smtClean="0"/>
-              <a:t>3/25/22</a:t>
+              <a:t>3/26/22</a:t>
             </a:fld>
             <a:endParaRPr lang="en-US"/>
           </a:p>
@@ -2592,7 +2592,7 @@
           <a:p>
             <a:fld id="{CA4E7D1B-D673-4CF6-8672-009D42ABD2A0}" type="datetimeFigureOut">
               <a:rPr lang="en-US" smtClean="0"/>
-              <a:t>3/25/22</a:t>
+              <a:t>3/26/22</a:t>
             </a:fld>
             <a:endParaRPr lang="en-US"/>
           </a:p>
@@ -2950,7 +2950,7 @@
           <a:p>
             <a:fld id="{DA16AA21-1863-4931-97CB-99D0A168701B}" type="datetimeFigureOut">
               <a:rPr lang="en-US" smtClean="0"/>
-              <a:t>3/25/22</a:t>
+              <a:t>3/26/22</a:t>
             </a:fld>
             <a:endParaRPr lang="en-US"/>
           </a:p>
@@ -3457,7 +3457,7 @@
           <a:p>
             <a:fld id="{3772C379-9A7C-4C87-A116-CBE9F58B04C5}" type="datetimeFigureOut">
               <a:rPr lang="en-US" smtClean="0"/>
-              <a:t>3/25/22</a:t>
+              <a:t>3/26/22</a:t>
             </a:fld>
             <a:endParaRPr lang="en-US"/>
           </a:p>
@@ -3812,7 +3812,7 @@
           <a:p>
             <a:fld id="{8664C608-40B1-4030-A28D-5B74BC98ADCE}" type="datetimeFigureOut">
               <a:rPr lang="en-US" smtClean="0"/>
-              <a:t>3/25/22</a:t>
+              <a:t>3/26/22</a:t>
             </a:fld>
             <a:endParaRPr lang="en-US" dirty="0"/>
           </a:p>
@@ -13490,9 +13490,69 @@
         </p:spPr>
         <p:txBody>
           <a:bodyPr>
-            <a:normAutofit/>
+            <a:normAutofit fontScale="92500"/>
           </a:bodyPr>
           <a:lstStyle/>
+          <a:p>
+            <a:pPr marL="0" indent="0">
+              <a:spcBef>
+                <a:spcPts val="1800"/>
+              </a:spcBef>
+              <a:buNone/>
+            </a:pPr>
+            <a:r>
+              <a:rPr lang="en-US" sz="2400" dirty="0"/>
+              <a:t>32 orders per second</a:t>
+            </a:r>
+          </a:p>
+          <a:p>
+            <a:pPr marL="0" indent="0">
+              <a:spcBef>
+                <a:spcPts val="1800"/>
+              </a:spcBef>
+              <a:buNone/>
+            </a:pPr>
+            <a:r>
+              <a:rPr lang="en-US" sz="2400" dirty="0"/>
+              <a:t>Acknowledgment based message retention </a:t>
+            </a:r>
+          </a:p>
+          <a:p>
+            <a:pPr marL="0" indent="0">
+              <a:spcBef>
+                <a:spcPts val="1800"/>
+              </a:spcBef>
+              <a:buNone/>
+            </a:pPr>
+            <a:r>
+              <a:rPr lang="en-US" sz="2400" dirty="0"/>
+              <a:t>130 ms end-to-end latency </a:t>
+            </a:r>
+          </a:p>
+          <a:p>
+            <a:pPr marL="0" indent="0">
+              <a:spcBef>
+                <a:spcPts val="1800"/>
+              </a:spcBef>
+              <a:buNone/>
+            </a:pPr>
+            <a:r>
+              <a:rPr lang="en-US" sz="2400" dirty="0"/>
+              <a:t>can achieve lower end-to-end latency than Kafka but only at significantly lower throughputs</a:t>
+            </a:r>
+          </a:p>
+          <a:p>
+            <a:pPr marL="0" indent="0">
+              <a:spcBef>
+                <a:spcPts val="1800"/>
+              </a:spcBef>
+              <a:buNone/>
+            </a:pPr>
+            <a:r>
+              <a:rPr lang="en-US" sz="2400" dirty="0"/>
+              <a:t>best latency at higher throughput</a:t>
+            </a:r>
+          </a:p>
           <a:p>
             <a:pPr marL="0" indent="0">
               <a:spcBef>
@@ -13563,7 +13623,7 @@
         </p:spPr>
         <p:txBody>
           <a:bodyPr>
-            <a:normAutofit/>
+            <a:normAutofit fontScale="92500"/>
           </a:bodyPr>
           <a:lstStyle/>
           <a:p>
@@ -13573,7 +13633,58 @@
               </a:spcBef>
               <a:buNone/>
             </a:pPr>
-            <a:endParaRPr lang="en-US" sz="2400" dirty="0"/>
+            <a:r>
+              <a:rPr lang="en-US" sz="2400" dirty="0"/>
+              <a:t>100 orders per second</a:t>
+            </a:r>
+          </a:p>
+          <a:p>
+            <a:pPr marL="0" indent="0">
+              <a:spcBef>
+                <a:spcPts val="1800"/>
+              </a:spcBef>
+              <a:buNone/>
+            </a:pPr>
+            <a:r>
+              <a:rPr lang="en-US" sz="2400" dirty="0"/>
+              <a:t>Policy based message retention example: 1-2 week</a:t>
+            </a:r>
+          </a:p>
+          <a:p>
+            <a:pPr marL="0" indent="0">
+              <a:spcBef>
+                <a:spcPts val="1800"/>
+              </a:spcBef>
+              <a:buNone/>
+            </a:pPr>
+            <a:r>
+              <a:rPr lang="en-US" sz="2400" dirty="0"/>
+              <a:t>70 ms end-to-end latency</a:t>
+            </a:r>
+          </a:p>
+          <a:p>
+            <a:pPr marL="0" indent="0">
+              <a:spcBef>
+                <a:spcPts val="1800"/>
+              </a:spcBef>
+              <a:buNone/>
+            </a:pPr>
+            <a:r>
+              <a:rPr lang="en-US" sz="2400" dirty="0"/>
+              <a:t>lowest latency at higher throughputs</a:t>
+            </a:r>
+          </a:p>
+          <a:p>
+            <a:pPr marL="0" indent="0">
+              <a:spcBef>
+                <a:spcPts val="1800"/>
+              </a:spcBef>
+              <a:buNone/>
+            </a:pPr>
+            <a:r>
+              <a:rPr lang="en-US" sz="2400" dirty="0"/>
+              <a:t>trade lower latencies for providing stronger durability guarantees</a:t>
+            </a:r>
           </a:p>
         </p:txBody>
       </p:sp>

--- a/Project Presentation.pptx
+++ b/Project Presentation.pptx
@@ -636,7 +636,7 @@
           <a:p>
             <a:fld id="{83284890-85D2-4D7B-8EF5-15A9C1DB8F42}" type="datetimeFigureOut">
               <a:rPr lang="en-US" smtClean="0"/>
-              <a:t>3/26/22</a:t>
+              <a:t>3/28/22</a:t>
             </a:fld>
             <a:endParaRPr lang="en-US"/>
           </a:p>
@@ -814,7 +814,7 @@
           <a:p>
             <a:fld id="{87157CC2-0FC8-4686-B024-99790E0F5162}" type="datetimeFigureOut">
               <a:rPr lang="en-US" smtClean="0"/>
-              <a:t>3/26/22</a:t>
+              <a:t>3/28/22</a:t>
             </a:fld>
             <a:endParaRPr lang="en-US"/>
           </a:p>
@@ -994,7 +994,7 @@
           <a:p>
             <a:fld id="{F6764DA5-CD3D-4590-A511-FCD3BC7A793E}" type="datetimeFigureOut">
               <a:rPr lang="en-US" smtClean="0"/>
-              <a:t>3/26/22</a:t>
+              <a:t>3/28/22</a:t>
             </a:fld>
             <a:endParaRPr lang="en-US"/>
           </a:p>
@@ -1164,7 +1164,7 @@
           <a:p>
             <a:fld id="{82F5661D-6934-4B32-B92C-470368BF1EC6}" type="datetimeFigureOut">
               <a:rPr lang="en-US" smtClean="0"/>
-              <a:t>3/26/22</a:t>
+              <a:t>3/28/22</a:t>
             </a:fld>
             <a:endParaRPr lang="en-US"/>
           </a:p>
@@ -1485,7 +1485,7 @@
           <a:p>
             <a:fld id="{C6F822A4-8DA6-4447-9B1F-C5DB58435268}" type="datetimeFigureOut">
               <a:rPr lang="en-US" smtClean="0"/>
-              <a:t>3/26/22</a:t>
+              <a:t>3/28/22</a:t>
             </a:fld>
             <a:endParaRPr lang="en-US" dirty="0"/>
           </a:p>
@@ -1946,7 +1946,7 @@
           <a:p>
             <a:fld id="{E548D31E-DCDA-41A7-9C67-C4B11B94D21D}" type="datetimeFigureOut">
               <a:rPr lang="en-US" smtClean="0"/>
-              <a:t>3/26/22</a:t>
+              <a:t>3/28/22</a:t>
             </a:fld>
             <a:endParaRPr lang="en-US"/>
           </a:p>
@@ -2357,7 +2357,7 @@
           <a:p>
             <a:fld id="{9B3762C0-B258-48F1-ADE6-176B4174CCDD}" type="datetimeFigureOut">
               <a:rPr lang="en-US" smtClean="0"/>
-              <a:t>3/26/22</a:t>
+              <a:t>3/28/22</a:t>
             </a:fld>
             <a:endParaRPr lang="en-US"/>
           </a:p>
@@ -2475,7 +2475,7 @@
           <a:p>
             <a:fld id="{677919A6-33EB-49BD-A62F-1FA56B9F9712}" type="datetimeFigureOut">
               <a:rPr lang="en-US" smtClean="0"/>
-              <a:t>3/26/22</a:t>
+              <a:t>3/28/22</a:t>
             </a:fld>
             <a:endParaRPr lang="en-US"/>
           </a:p>
@@ -2592,7 +2592,7 @@
           <a:p>
             <a:fld id="{CA4E7D1B-D673-4CF6-8672-009D42ABD2A0}" type="datetimeFigureOut">
               <a:rPr lang="en-US" smtClean="0"/>
-              <a:t>3/26/22</a:t>
+              <a:t>3/28/22</a:t>
             </a:fld>
             <a:endParaRPr lang="en-US"/>
           </a:p>
@@ -2950,7 +2950,7 @@
           <a:p>
             <a:fld id="{DA16AA21-1863-4931-97CB-99D0A168701B}" type="datetimeFigureOut">
               <a:rPr lang="en-US" smtClean="0"/>
-              <a:t>3/26/22</a:t>
+              <a:t>3/28/22</a:t>
             </a:fld>
             <a:endParaRPr lang="en-US"/>
           </a:p>
@@ -3457,7 +3457,7 @@
           <a:p>
             <a:fld id="{3772C379-9A7C-4C87-A116-CBE9F58B04C5}" type="datetimeFigureOut">
               <a:rPr lang="en-US" smtClean="0"/>
-              <a:t>3/26/22</a:t>
+              <a:t>3/28/22</a:t>
             </a:fld>
             <a:endParaRPr lang="en-US"/>
           </a:p>
@@ -3812,7 +3812,7 @@
           <a:p>
             <a:fld id="{8664C608-40B1-4030-A28D-5B74BC98ADCE}" type="datetimeFigureOut">
               <a:rPr lang="en-US" smtClean="0"/>
-              <a:t>3/26/22</a:t>
+              <a:t>3/28/22</a:t>
             </a:fld>
             <a:endParaRPr lang="en-US" dirty="0"/>
           </a:p>
@@ -4798,7 +4798,31 @@
             </a:pPr>
             <a:r>
               <a:rPr lang="en-US" sz="2400" dirty="0"/>
-              <a:t>No native streaming support</a:t>
+              <a:t>No native support for streaming application</a:t>
+            </a:r>
+          </a:p>
+          <a:p>
+            <a:pPr marL="0" indent="0">
+              <a:spcBef>
+                <a:spcPts val="1800"/>
+              </a:spcBef>
+              <a:buNone/>
+            </a:pPr>
+            <a:r>
+              <a:rPr lang="en-US" sz="2400" dirty="0"/>
+              <a:t>Duplicate Messages</a:t>
+            </a:r>
+          </a:p>
+          <a:p>
+            <a:pPr marL="0" indent="0">
+              <a:spcBef>
+                <a:spcPts val="1800"/>
+              </a:spcBef>
+              <a:buNone/>
+            </a:pPr>
+            <a:r>
+              <a:rPr lang="en-US" sz="2400" dirty="0"/>
+              <a:t>Refreshing Queue Count</a:t>
             </a:r>
           </a:p>
         </p:txBody>
@@ -4886,7 +4910,7 @@
             </a:pPr>
             <a:r>
               <a:rPr lang="en-US" sz="2400" dirty="0"/>
-              <a:t>Streaming APIs for specific Languages</a:t>
+              <a:t>APIs for specific Languages</a:t>
             </a:r>
           </a:p>
           <a:p>
@@ -4898,7 +4922,7 @@
             </a:pPr>
             <a:r>
               <a:rPr lang="en-US" sz="2400" dirty="0"/>
-              <a:t>Order per partition</a:t>
+              <a:t>Lack of Pace</a:t>
             </a:r>
           </a:p>
           <a:p>
@@ -4910,7 +4934,31 @@
             </a:pPr>
             <a:r>
               <a:rPr lang="en-US" sz="2400" dirty="0"/>
-              <a:t>Needs producer coordination with consumer for partition increases</a:t>
+              <a:t>Ordering per partition</a:t>
+            </a:r>
+          </a:p>
+          <a:p>
+            <a:pPr marL="0" indent="0">
+              <a:spcBef>
+                <a:spcPts val="1800"/>
+              </a:spcBef>
+              <a:buNone/>
+            </a:pPr>
+            <a:r>
+              <a:rPr lang="en-US" sz="2400" dirty="0"/>
+              <a:t>Producer and consumer need coordination for routing</a:t>
+            </a:r>
+          </a:p>
+          <a:p>
+            <a:pPr marL="0" indent="0">
+              <a:spcBef>
+                <a:spcPts val="1800"/>
+              </a:spcBef>
+              <a:buNone/>
+            </a:pPr>
+            <a:r>
+              <a:rPr lang="en-US" sz="2400" dirty="0"/>
+              <a:t>Behaves Clumsy</a:t>
             </a:r>
           </a:p>
         </p:txBody>
@@ -13514,7 +13562,7 @@
             </a:pPr>
             <a:r>
               <a:rPr lang="en-US" sz="2400" dirty="0"/>
-              <a:t>Acknowledgment based message retention </a:t>
+              <a:t>acknowledgment based message retention </a:t>
             </a:r>
           </a:p>
           <a:p>
@@ -13647,7 +13695,7 @@
             </a:pPr>
             <a:r>
               <a:rPr lang="en-US" sz="2400" dirty="0"/>
-              <a:t>Policy based message retention example: 1-2 week</a:t>
+              <a:t>policy based message retention example: 1-2 week</a:t>
             </a:r>
           </a:p>
           <a:p>

--- a/Project Presentation.pptx
+++ b/Project Presentation.pptx
@@ -636,7 +636,7 @@
           <a:p>
             <a:fld id="{83284890-85D2-4D7B-8EF5-15A9C1DB8F42}" type="datetimeFigureOut">
               <a:rPr lang="en-US" smtClean="0"/>
-              <a:t>3/28/22</a:t>
+              <a:t>3/31/22</a:t>
             </a:fld>
             <a:endParaRPr lang="en-US"/>
           </a:p>
@@ -814,7 +814,7 @@
           <a:p>
             <a:fld id="{87157CC2-0FC8-4686-B024-99790E0F5162}" type="datetimeFigureOut">
               <a:rPr lang="en-US" smtClean="0"/>
-              <a:t>3/28/22</a:t>
+              <a:t>3/31/22</a:t>
             </a:fld>
             <a:endParaRPr lang="en-US"/>
           </a:p>
@@ -994,7 +994,7 @@
           <a:p>
             <a:fld id="{F6764DA5-CD3D-4590-A511-FCD3BC7A793E}" type="datetimeFigureOut">
               <a:rPr lang="en-US" smtClean="0"/>
-              <a:t>3/28/22</a:t>
+              <a:t>3/31/22</a:t>
             </a:fld>
             <a:endParaRPr lang="en-US"/>
           </a:p>
@@ -1164,7 +1164,7 @@
           <a:p>
             <a:fld id="{82F5661D-6934-4B32-B92C-470368BF1EC6}" type="datetimeFigureOut">
               <a:rPr lang="en-US" smtClean="0"/>
-              <a:t>3/28/22</a:t>
+              <a:t>3/31/22</a:t>
             </a:fld>
             <a:endParaRPr lang="en-US"/>
           </a:p>
@@ -1485,7 +1485,7 @@
           <a:p>
             <a:fld id="{C6F822A4-8DA6-4447-9B1F-C5DB58435268}" type="datetimeFigureOut">
               <a:rPr lang="en-US" smtClean="0"/>
-              <a:t>3/28/22</a:t>
+              <a:t>3/31/22</a:t>
             </a:fld>
             <a:endParaRPr lang="en-US" dirty="0"/>
           </a:p>
@@ -1946,7 +1946,7 @@
           <a:p>
             <a:fld id="{E548D31E-DCDA-41A7-9C67-C4B11B94D21D}" type="datetimeFigureOut">
               <a:rPr lang="en-US" smtClean="0"/>
-              <a:t>3/28/22</a:t>
+              <a:t>3/31/22</a:t>
             </a:fld>
             <a:endParaRPr lang="en-US"/>
           </a:p>
@@ -2357,7 +2357,7 @@
           <a:p>
             <a:fld id="{9B3762C0-B258-48F1-ADE6-176B4174CCDD}" type="datetimeFigureOut">
               <a:rPr lang="en-US" smtClean="0"/>
-              <a:t>3/28/22</a:t>
+              <a:t>3/31/22</a:t>
             </a:fld>
             <a:endParaRPr lang="en-US"/>
           </a:p>
@@ -2475,7 +2475,7 @@
           <a:p>
             <a:fld id="{677919A6-33EB-49BD-A62F-1FA56B9F9712}" type="datetimeFigureOut">
               <a:rPr lang="en-US" smtClean="0"/>
-              <a:t>3/28/22</a:t>
+              <a:t>3/31/22</a:t>
             </a:fld>
             <a:endParaRPr lang="en-US"/>
           </a:p>
@@ -2592,7 +2592,7 @@
           <a:p>
             <a:fld id="{CA4E7D1B-D673-4CF6-8672-009D42ABD2A0}" type="datetimeFigureOut">
               <a:rPr lang="en-US" smtClean="0"/>
-              <a:t>3/28/22</a:t>
+              <a:t>3/31/22</a:t>
             </a:fld>
             <a:endParaRPr lang="en-US"/>
           </a:p>
@@ -2950,7 +2950,7 @@
           <a:p>
             <a:fld id="{DA16AA21-1863-4931-97CB-99D0A168701B}" type="datetimeFigureOut">
               <a:rPr lang="en-US" smtClean="0"/>
-              <a:t>3/28/22</a:t>
+              <a:t>3/31/22</a:t>
             </a:fld>
             <a:endParaRPr lang="en-US"/>
           </a:p>
@@ -3457,7 +3457,7 @@
           <a:p>
             <a:fld id="{3772C379-9A7C-4C87-A116-CBE9F58B04C5}" type="datetimeFigureOut">
               <a:rPr lang="en-US" smtClean="0"/>
-              <a:t>3/28/22</a:t>
+              <a:t>3/31/22</a:t>
             </a:fld>
             <a:endParaRPr lang="en-US"/>
           </a:p>
@@ -3812,7 +3812,7 @@
           <a:p>
             <a:fld id="{8664C608-40B1-4030-A28D-5B74BC98ADCE}" type="datetimeFigureOut">
               <a:rPr lang="en-US" smtClean="0"/>
-              <a:t>3/28/22</a:t>
+              <a:t>3/31/22</a:t>
             </a:fld>
             <a:endParaRPr lang="en-US" dirty="0"/>
           </a:p>
